--- a/Slides/Lecture04 - Data Access and Entity Framework Core.pptx
+++ b/Slides/Lecture04 - Data Access and Entity Framework Core.pptx
@@ -20296,7 +20296,7 @@
         <p:spPr>
           <a:xfrm>
             <a:off x="588263" y="1436688"/>
-            <a:ext cx="11018520" cy="430887"/>
+            <a:ext cx="11018520" cy="4949047"/>
           </a:xfrm>
         </p:spPr>
         <p:txBody>
@@ -20304,20 +20304,653 @@
           <a:lstStyle/>
           <a:p>
             <a:r>
-              <a:rPr lang="en-US" dirty="0">
+              <a:rPr lang="en-US" sz="2400" dirty="0">
                 <a:latin typeface="Cascadia Code PL" panose="020B0609020000020004" pitchFamily="49" charset="0"/>
                 <a:cs typeface="Cascadia Code PL" panose="020B0609020000020004" pitchFamily="49" charset="0"/>
               </a:rPr>
               <a:t>dotnet add package </a:t>
             </a:r>
             <a:r>
-              <a:rPr lang="en-US" dirty="0" err="1">
+              <a:rPr lang="en-US" sz="2400" dirty="0" err="1">
                 <a:latin typeface="Cascadia Code PL" panose="020B0609020000020004" pitchFamily="49" charset="0"/>
                 <a:cs typeface="Cascadia Code PL" panose="020B0609020000020004" pitchFamily="49" charset="0"/>
               </a:rPr>
               <a:t>System.Data.SqlClient</a:t>
             </a:r>
-            <a:endParaRPr lang="LID4096" dirty="0">
+            <a:endParaRPr lang="en-US" sz="2400" dirty="0">
+              <a:latin typeface="Cascadia Code PL" panose="020B0609020000020004" pitchFamily="49" charset="0"/>
+              <a:cs typeface="Cascadia Code PL" panose="020B0609020000020004" pitchFamily="49" charset="0"/>
+            </a:endParaRPr>
+          </a:p>
+          <a:p>
+            <a:endParaRPr lang="en-US" sz="2400" dirty="0">
+              <a:latin typeface="Cascadia Code PL" panose="020B0609020000020004" pitchFamily="49" charset="0"/>
+              <a:cs typeface="Cascadia Code PL" panose="020B0609020000020004" pitchFamily="49" charset="0"/>
+            </a:endParaRPr>
+          </a:p>
+          <a:p>
+            <a:r>
+              <a:rPr lang="da-DK" sz="2400" b="0" dirty="0">
+                <a:solidFill>
+                  <a:srgbClr val="569CD6"/>
+                </a:solidFill>
+                <a:effectLst/>
+                <a:latin typeface="Cascadia Code PL" panose="020B0609020000020004" pitchFamily="49" charset="0"/>
+                <a:cs typeface="Cascadia Code PL" panose="020B0609020000020004" pitchFamily="49" charset="0"/>
+              </a:rPr>
+              <a:t>var</a:t>
+            </a:r>
+            <a:r>
+              <a:rPr lang="da-DK" sz="2400" b="0" dirty="0">
+                <a:solidFill>
+                  <a:srgbClr val="D4D4D4"/>
+                </a:solidFill>
+                <a:effectLst/>
+                <a:latin typeface="Cascadia Code PL" panose="020B0609020000020004" pitchFamily="49" charset="0"/>
+                <a:cs typeface="Cascadia Code PL" panose="020B0609020000020004" pitchFamily="49" charset="0"/>
+              </a:rPr>
+              <a:t> </a:t>
+            </a:r>
+            <a:r>
+              <a:rPr lang="da-DK" sz="2400" b="0" dirty="0">
+                <a:solidFill>
+                  <a:srgbClr val="9CDCFE"/>
+                </a:solidFill>
+                <a:effectLst/>
+                <a:latin typeface="Cascadia Code PL" panose="020B0609020000020004" pitchFamily="49" charset="0"/>
+                <a:cs typeface="Cascadia Code PL" panose="020B0609020000020004" pitchFamily="49" charset="0"/>
+              </a:rPr>
+              <a:t>cmdText</a:t>
+            </a:r>
+            <a:r>
+              <a:rPr lang="da-DK" sz="2400" b="0" dirty="0">
+                <a:solidFill>
+                  <a:srgbClr val="D4D4D4"/>
+                </a:solidFill>
+                <a:effectLst/>
+                <a:latin typeface="Cascadia Code PL" panose="020B0609020000020004" pitchFamily="49" charset="0"/>
+                <a:cs typeface="Cascadia Code PL" panose="020B0609020000020004" pitchFamily="49" charset="0"/>
+              </a:rPr>
+              <a:t> = </a:t>
+            </a:r>
+            <a:r>
+              <a:rPr lang="da-DK" sz="2400" b="0" dirty="0">
+                <a:solidFill>
+                  <a:srgbClr val="CE9178"/>
+                </a:solidFill>
+                <a:effectLst/>
+                <a:latin typeface="Cascadia Code PL" panose="020B0609020000020004" pitchFamily="49" charset="0"/>
+                <a:cs typeface="Cascadia Code PL" panose="020B0609020000020004" pitchFamily="49" charset="0"/>
+              </a:rPr>
+              <a:t>"SELECT * FROM Animals"</a:t>
+            </a:r>
+            <a:r>
+              <a:rPr lang="da-DK" sz="2400" b="0" dirty="0">
+                <a:solidFill>
+                  <a:srgbClr val="D4D4D4"/>
+                </a:solidFill>
+                <a:effectLst/>
+                <a:latin typeface="Cascadia Code PL" panose="020B0609020000020004" pitchFamily="49" charset="0"/>
+                <a:cs typeface="Cascadia Code PL" panose="020B0609020000020004" pitchFamily="49" charset="0"/>
+              </a:rPr>
+              <a:t>;</a:t>
+            </a:r>
+          </a:p>
+          <a:p>
+            <a:r>
+              <a:rPr lang="da-DK" sz="2400" b="0" dirty="0">
+                <a:solidFill>
+                  <a:srgbClr val="569CD6"/>
+                </a:solidFill>
+                <a:effectLst/>
+                <a:latin typeface="Cascadia Code PL" panose="020B0609020000020004" pitchFamily="49" charset="0"/>
+                <a:cs typeface="Cascadia Code PL" panose="020B0609020000020004" pitchFamily="49" charset="0"/>
+              </a:rPr>
+              <a:t>using</a:t>
+            </a:r>
+            <a:r>
+              <a:rPr lang="da-DK" sz="2400" b="0" dirty="0">
+                <a:solidFill>
+                  <a:srgbClr val="D4D4D4"/>
+                </a:solidFill>
+                <a:effectLst/>
+                <a:latin typeface="Cascadia Code PL" panose="020B0609020000020004" pitchFamily="49" charset="0"/>
+                <a:cs typeface="Cascadia Code PL" panose="020B0609020000020004" pitchFamily="49" charset="0"/>
+              </a:rPr>
+              <a:t> </a:t>
+            </a:r>
+            <a:r>
+              <a:rPr lang="da-DK" sz="2400" b="0" dirty="0">
+                <a:solidFill>
+                  <a:srgbClr val="569CD6"/>
+                </a:solidFill>
+                <a:effectLst/>
+                <a:latin typeface="Cascadia Code PL" panose="020B0609020000020004" pitchFamily="49" charset="0"/>
+                <a:cs typeface="Cascadia Code PL" panose="020B0609020000020004" pitchFamily="49" charset="0"/>
+              </a:rPr>
+              <a:t>var</a:t>
+            </a:r>
+            <a:r>
+              <a:rPr lang="da-DK" sz="2400" b="0" dirty="0">
+                <a:solidFill>
+                  <a:srgbClr val="D4D4D4"/>
+                </a:solidFill>
+                <a:effectLst/>
+                <a:latin typeface="Cascadia Code PL" panose="020B0609020000020004" pitchFamily="49" charset="0"/>
+                <a:cs typeface="Cascadia Code PL" panose="020B0609020000020004" pitchFamily="49" charset="0"/>
+              </a:rPr>
+              <a:t> </a:t>
+            </a:r>
+            <a:r>
+              <a:rPr lang="da-DK" sz="2400" b="0" dirty="0">
+                <a:solidFill>
+                  <a:srgbClr val="9CDCFE"/>
+                </a:solidFill>
+                <a:effectLst/>
+                <a:latin typeface="Cascadia Code PL" panose="020B0609020000020004" pitchFamily="49" charset="0"/>
+                <a:cs typeface="Cascadia Code PL" panose="020B0609020000020004" pitchFamily="49" charset="0"/>
+              </a:rPr>
+              <a:t>connection</a:t>
+            </a:r>
+            <a:r>
+              <a:rPr lang="da-DK" sz="2400" b="0" dirty="0">
+                <a:solidFill>
+                  <a:srgbClr val="D4D4D4"/>
+                </a:solidFill>
+                <a:effectLst/>
+                <a:latin typeface="Cascadia Code PL" panose="020B0609020000020004" pitchFamily="49" charset="0"/>
+                <a:cs typeface="Cascadia Code PL" panose="020B0609020000020004" pitchFamily="49" charset="0"/>
+              </a:rPr>
+              <a:t> = </a:t>
+            </a:r>
+            <a:r>
+              <a:rPr lang="da-DK" sz="2400" b="0" dirty="0">
+                <a:solidFill>
+                  <a:srgbClr val="569CD6"/>
+                </a:solidFill>
+                <a:effectLst/>
+                <a:latin typeface="Cascadia Code PL" panose="020B0609020000020004" pitchFamily="49" charset="0"/>
+                <a:cs typeface="Cascadia Code PL" panose="020B0609020000020004" pitchFamily="49" charset="0"/>
+              </a:rPr>
+              <a:t>new</a:t>
+            </a:r>
+            <a:r>
+              <a:rPr lang="da-DK" sz="2400" b="0" dirty="0">
+                <a:solidFill>
+                  <a:srgbClr val="D4D4D4"/>
+                </a:solidFill>
+                <a:effectLst/>
+                <a:latin typeface="Cascadia Code PL" panose="020B0609020000020004" pitchFamily="49" charset="0"/>
+                <a:cs typeface="Cascadia Code PL" panose="020B0609020000020004" pitchFamily="49" charset="0"/>
+              </a:rPr>
+              <a:t> </a:t>
+            </a:r>
+            <a:r>
+              <a:rPr lang="da-DK" sz="2400" b="0" dirty="0">
+                <a:solidFill>
+                  <a:srgbClr val="4EC9B0"/>
+                </a:solidFill>
+                <a:effectLst/>
+                <a:latin typeface="Cascadia Code PL" panose="020B0609020000020004" pitchFamily="49" charset="0"/>
+                <a:cs typeface="Cascadia Code PL" panose="020B0609020000020004" pitchFamily="49" charset="0"/>
+              </a:rPr>
+              <a:t>SqlConnection</a:t>
+            </a:r>
+            <a:r>
+              <a:rPr lang="da-DK" sz="2400" b="0" dirty="0">
+                <a:solidFill>
+                  <a:srgbClr val="D4D4D4"/>
+                </a:solidFill>
+                <a:effectLst/>
+                <a:latin typeface="Cascadia Code PL" panose="020B0609020000020004" pitchFamily="49" charset="0"/>
+                <a:cs typeface="Cascadia Code PL" panose="020B0609020000020004" pitchFamily="49" charset="0"/>
+              </a:rPr>
+              <a:t>(</a:t>
+            </a:r>
+            <a:r>
+              <a:rPr lang="da-DK" sz="2400" b="0" dirty="0">
+                <a:solidFill>
+                  <a:srgbClr val="9CDCFE"/>
+                </a:solidFill>
+                <a:effectLst/>
+                <a:latin typeface="Cascadia Code PL" panose="020B0609020000020004" pitchFamily="49" charset="0"/>
+                <a:cs typeface="Cascadia Code PL" panose="020B0609020000020004" pitchFamily="49" charset="0"/>
+              </a:rPr>
+              <a:t>connectionString</a:t>
+            </a:r>
+            <a:r>
+              <a:rPr lang="da-DK" sz="2400" b="0" dirty="0">
+                <a:solidFill>
+                  <a:srgbClr val="D4D4D4"/>
+                </a:solidFill>
+                <a:effectLst/>
+                <a:latin typeface="Cascadia Code PL" panose="020B0609020000020004" pitchFamily="49" charset="0"/>
+                <a:cs typeface="Cascadia Code PL" panose="020B0609020000020004" pitchFamily="49" charset="0"/>
+              </a:rPr>
+              <a:t>);</a:t>
+            </a:r>
+          </a:p>
+          <a:p>
+            <a:r>
+              <a:rPr lang="da-DK" sz="2400" b="0" dirty="0">
+                <a:solidFill>
+                  <a:srgbClr val="9CDCFE"/>
+                </a:solidFill>
+                <a:effectLst/>
+                <a:latin typeface="Cascadia Code PL" panose="020B0609020000020004" pitchFamily="49" charset="0"/>
+                <a:cs typeface="Cascadia Code PL" panose="020B0609020000020004" pitchFamily="49" charset="0"/>
+              </a:rPr>
+              <a:t>connection</a:t>
+            </a:r>
+            <a:r>
+              <a:rPr lang="da-DK" sz="2400" b="0" dirty="0">
+                <a:solidFill>
+                  <a:srgbClr val="D4D4D4"/>
+                </a:solidFill>
+                <a:effectLst/>
+                <a:latin typeface="Cascadia Code PL" panose="020B0609020000020004" pitchFamily="49" charset="0"/>
+                <a:cs typeface="Cascadia Code PL" panose="020B0609020000020004" pitchFamily="49" charset="0"/>
+              </a:rPr>
+              <a:t>.</a:t>
+            </a:r>
+            <a:r>
+              <a:rPr lang="da-DK" sz="2400" b="0" dirty="0">
+                <a:solidFill>
+                  <a:srgbClr val="DCDCAA"/>
+                </a:solidFill>
+                <a:effectLst/>
+                <a:latin typeface="Cascadia Code PL" panose="020B0609020000020004" pitchFamily="49" charset="0"/>
+                <a:cs typeface="Cascadia Code PL" panose="020B0609020000020004" pitchFamily="49" charset="0"/>
+              </a:rPr>
+              <a:t>Open</a:t>
+            </a:r>
+            <a:r>
+              <a:rPr lang="da-DK" sz="2400" b="0" dirty="0">
+                <a:solidFill>
+                  <a:srgbClr val="D4D4D4"/>
+                </a:solidFill>
+                <a:effectLst/>
+                <a:latin typeface="Cascadia Code PL" panose="020B0609020000020004" pitchFamily="49" charset="0"/>
+                <a:cs typeface="Cascadia Code PL" panose="020B0609020000020004" pitchFamily="49" charset="0"/>
+              </a:rPr>
+              <a:t>();</a:t>
+            </a:r>
+          </a:p>
+          <a:p>
+            <a:r>
+              <a:rPr lang="da-DK" sz="2400" b="0" dirty="0">
+                <a:solidFill>
+                  <a:srgbClr val="569CD6"/>
+                </a:solidFill>
+                <a:effectLst/>
+                <a:latin typeface="Cascadia Code PL" panose="020B0609020000020004" pitchFamily="49" charset="0"/>
+                <a:cs typeface="Cascadia Code PL" panose="020B0609020000020004" pitchFamily="49" charset="0"/>
+              </a:rPr>
+              <a:t>using</a:t>
+            </a:r>
+            <a:r>
+              <a:rPr lang="da-DK" sz="2400" b="0" dirty="0">
+                <a:solidFill>
+                  <a:srgbClr val="D4D4D4"/>
+                </a:solidFill>
+                <a:effectLst/>
+                <a:latin typeface="Cascadia Code PL" panose="020B0609020000020004" pitchFamily="49" charset="0"/>
+                <a:cs typeface="Cascadia Code PL" panose="020B0609020000020004" pitchFamily="49" charset="0"/>
+              </a:rPr>
+              <a:t> </a:t>
+            </a:r>
+            <a:r>
+              <a:rPr lang="da-DK" sz="2400" b="0" dirty="0">
+                <a:solidFill>
+                  <a:srgbClr val="569CD6"/>
+                </a:solidFill>
+                <a:effectLst/>
+                <a:latin typeface="Cascadia Code PL" panose="020B0609020000020004" pitchFamily="49" charset="0"/>
+                <a:cs typeface="Cascadia Code PL" panose="020B0609020000020004" pitchFamily="49" charset="0"/>
+              </a:rPr>
+              <a:t>var</a:t>
+            </a:r>
+            <a:r>
+              <a:rPr lang="da-DK" sz="2400" b="0" dirty="0">
+                <a:solidFill>
+                  <a:srgbClr val="D4D4D4"/>
+                </a:solidFill>
+                <a:effectLst/>
+                <a:latin typeface="Cascadia Code PL" panose="020B0609020000020004" pitchFamily="49" charset="0"/>
+                <a:cs typeface="Cascadia Code PL" panose="020B0609020000020004" pitchFamily="49" charset="0"/>
+              </a:rPr>
+              <a:t> </a:t>
+            </a:r>
+            <a:r>
+              <a:rPr lang="da-DK" sz="2400" b="0" dirty="0">
+                <a:solidFill>
+                  <a:srgbClr val="9CDCFE"/>
+                </a:solidFill>
+                <a:effectLst/>
+                <a:latin typeface="Cascadia Code PL" panose="020B0609020000020004" pitchFamily="49" charset="0"/>
+                <a:cs typeface="Cascadia Code PL" panose="020B0609020000020004" pitchFamily="49" charset="0"/>
+              </a:rPr>
+              <a:t>command</a:t>
+            </a:r>
+            <a:r>
+              <a:rPr lang="da-DK" sz="2400" b="0" dirty="0">
+                <a:solidFill>
+                  <a:srgbClr val="D4D4D4"/>
+                </a:solidFill>
+                <a:effectLst/>
+                <a:latin typeface="Cascadia Code PL" panose="020B0609020000020004" pitchFamily="49" charset="0"/>
+                <a:cs typeface="Cascadia Code PL" panose="020B0609020000020004" pitchFamily="49" charset="0"/>
+              </a:rPr>
+              <a:t> = </a:t>
+            </a:r>
+            <a:r>
+              <a:rPr lang="da-DK" sz="2400" b="0" dirty="0">
+                <a:solidFill>
+                  <a:srgbClr val="569CD6"/>
+                </a:solidFill>
+                <a:effectLst/>
+                <a:latin typeface="Cascadia Code PL" panose="020B0609020000020004" pitchFamily="49" charset="0"/>
+                <a:cs typeface="Cascadia Code PL" panose="020B0609020000020004" pitchFamily="49" charset="0"/>
+              </a:rPr>
+              <a:t>new</a:t>
+            </a:r>
+            <a:r>
+              <a:rPr lang="da-DK" sz="2400" b="0" dirty="0">
+                <a:solidFill>
+                  <a:srgbClr val="D4D4D4"/>
+                </a:solidFill>
+                <a:effectLst/>
+                <a:latin typeface="Cascadia Code PL" panose="020B0609020000020004" pitchFamily="49" charset="0"/>
+                <a:cs typeface="Cascadia Code PL" panose="020B0609020000020004" pitchFamily="49" charset="0"/>
+              </a:rPr>
+              <a:t> </a:t>
+            </a:r>
+            <a:r>
+              <a:rPr lang="da-DK" sz="2400" b="0" dirty="0">
+                <a:solidFill>
+                  <a:srgbClr val="4EC9B0"/>
+                </a:solidFill>
+                <a:effectLst/>
+                <a:latin typeface="Cascadia Code PL" panose="020B0609020000020004" pitchFamily="49" charset="0"/>
+                <a:cs typeface="Cascadia Code PL" panose="020B0609020000020004" pitchFamily="49" charset="0"/>
+              </a:rPr>
+              <a:t>SqlCommand</a:t>
+            </a:r>
+            <a:r>
+              <a:rPr lang="da-DK" sz="2400" b="0" dirty="0">
+                <a:solidFill>
+                  <a:srgbClr val="D4D4D4"/>
+                </a:solidFill>
+                <a:effectLst/>
+                <a:latin typeface="Cascadia Code PL" panose="020B0609020000020004" pitchFamily="49" charset="0"/>
+                <a:cs typeface="Cascadia Code PL" panose="020B0609020000020004" pitchFamily="49" charset="0"/>
+              </a:rPr>
+              <a:t>(</a:t>
+            </a:r>
+            <a:r>
+              <a:rPr lang="da-DK" sz="2400" b="0" dirty="0">
+                <a:solidFill>
+                  <a:srgbClr val="9CDCFE"/>
+                </a:solidFill>
+                <a:effectLst/>
+                <a:latin typeface="Cascadia Code PL" panose="020B0609020000020004" pitchFamily="49" charset="0"/>
+                <a:cs typeface="Cascadia Code PL" panose="020B0609020000020004" pitchFamily="49" charset="0"/>
+              </a:rPr>
+              <a:t>cmdText</a:t>
+            </a:r>
+            <a:r>
+              <a:rPr lang="da-DK" sz="2400" b="0" dirty="0">
+                <a:solidFill>
+                  <a:srgbClr val="D4D4D4"/>
+                </a:solidFill>
+                <a:effectLst/>
+                <a:latin typeface="Cascadia Code PL" panose="020B0609020000020004" pitchFamily="49" charset="0"/>
+                <a:cs typeface="Cascadia Code PL" panose="020B0609020000020004" pitchFamily="49" charset="0"/>
+              </a:rPr>
+              <a:t>, </a:t>
+            </a:r>
+            <a:r>
+              <a:rPr lang="da-DK" sz="2400" b="0" dirty="0">
+                <a:solidFill>
+                  <a:srgbClr val="9CDCFE"/>
+                </a:solidFill>
+                <a:effectLst/>
+                <a:latin typeface="Cascadia Code PL" panose="020B0609020000020004" pitchFamily="49" charset="0"/>
+                <a:cs typeface="Cascadia Code PL" panose="020B0609020000020004" pitchFamily="49" charset="0"/>
+              </a:rPr>
+              <a:t>connection</a:t>
+            </a:r>
+            <a:r>
+              <a:rPr lang="da-DK" sz="2400" b="0" dirty="0">
+                <a:solidFill>
+                  <a:srgbClr val="D4D4D4"/>
+                </a:solidFill>
+                <a:effectLst/>
+                <a:latin typeface="Cascadia Code PL" panose="020B0609020000020004" pitchFamily="49" charset="0"/>
+                <a:cs typeface="Cascadia Code PL" panose="020B0609020000020004" pitchFamily="49" charset="0"/>
+              </a:rPr>
+              <a:t>);</a:t>
+            </a:r>
+          </a:p>
+          <a:p>
+            <a:r>
+              <a:rPr lang="da-DK" sz="2400" b="0" dirty="0">
+                <a:solidFill>
+                  <a:srgbClr val="569CD6"/>
+                </a:solidFill>
+                <a:effectLst/>
+                <a:latin typeface="Cascadia Code PL" panose="020B0609020000020004" pitchFamily="49" charset="0"/>
+                <a:cs typeface="Cascadia Code PL" panose="020B0609020000020004" pitchFamily="49" charset="0"/>
+              </a:rPr>
+              <a:t>using</a:t>
+            </a:r>
+            <a:r>
+              <a:rPr lang="da-DK" sz="2400" b="0" dirty="0">
+                <a:solidFill>
+                  <a:srgbClr val="D4D4D4"/>
+                </a:solidFill>
+                <a:effectLst/>
+                <a:latin typeface="Cascadia Code PL" panose="020B0609020000020004" pitchFamily="49" charset="0"/>
+                <a:cs typeface="Cascadia Code PL" panose="020B0609020000020004" pitchFamily="49" charset="0"/>
+              </a:rPr>
+              <a:t> </a:t>
+            </a:r>
+            <a:r>
+              <a:rPr lang="da-DK" sz="2400" b="0" dirty="0">
+                <a:solidFill>
+                  <a:srgbClr val="569CD6"/>
+                </a:solidFill>
+                <a:effectLst/>
+                <a:latin typeface="Cascadia Code PL" panose="020B0609020000020004" pitchFamily="49" charset="0"/>
+                <a:cs typeface="Cascadia Code PL" panose="020B0609020000020004" pitchFamily="49" charset="0"/>
+              </a:rPr>
+              <a:t>var</a:t>
+            </a:r>
+            <a:r>
+              <a:rPr lang="da-DK" sz="2400" b="0" dirty="0">
+                <a:solidFill>
+                  <a:srgbClr val="D4D4D4"/>
+                </a:solidFill>
+                <a:effectLst/>
+                <a:latin typeface="Cascadia Code PL" panose="020B0609020000020004" pitchFamily="49" charset="0"/>
+                <a:cs typeface="Cascadia Code PL" panose="020B0609020000020004" pitchFamily="49" charset="0"/>
+              </a:rPr>
+              <a:t> </a:t>
+            </a:r>
+            <a:r>
+              <a:rPr lang="da-DK" sz="2400" b="0" dirty="0">
+                <a:solidFill>
+                  <a:srgbClr val="9CDCFE"/>
+                </a:solidFill>
+                <a:effectLst/>
+                <a:latin typeface="Cascadia Code PL" panose="020B0609020000020004" pitchFamily="49" charset="0"/>
+                <a:cs typeface="Cascadia Code PL" panose="020B0609020000020004" pitchFamily="49" charset="0"/>
+              </a:rPr>
+              <a:t>reader</a:t>
+            </a:r>
+            <a:r>
+              <a:rPr lang="da-DK" sz="2400" b="0" dirty="0">
+                <a:solidFill>
+                  <a:srgbClr val="D4D4D4"/>
+                </a:solidFill>
+                <a:effectLst/>
+                <a:latin typeface="Cascadia Code PL" panose="020B0609020000020004" pitchFamily="49" charset="0"/>
+                <a:cs typeface="Cascadia Code PL" panose="020B0609020000020004" pitchFamily="49" charset="0"/>
+              </a:rPr>
+              <a:t> = </a:t>
+            </a:r>
+            <a:r>
+              <a:rPr lang="da-DK" sz="2400" b="0" dirty="0">
+                <a:solidFill>
+                  <a:srgbClr val="9CDCFE"/>
+                </a:solidFill>
+                <a:effectLst/>
+                <a:latin typeface="Cascadia Code PL" panose="020B0609020000020004" pitchFamily="49" charset="0"/>
+                <a:cs typeface="Cascadia Code PL" panose="020B0609020000020004" pitchFamily="49" charset="0"/>
+              </a:rPr>
+              <a:t>command</a:t>
+            </a:r>
+            <a:r>
+              <a:rPr lang="da-DK" sz="2400" b="0" dirty="0">
+                <a:solidFill>
+                  <a:srgbClr val="D4D4D4"/>
+                </a:solidFill>
+                <a:effectLst/>
+                <a:latin typeface="Cascadia Code PL" panose="020B0609020000020004" pitchFamily="49" charset="0"/>
+                <a:cs typeface="Cascadia Code PL" panose="020B0609020000020004" pitchFamily="49" charset="0"/>
+              </a:rPr>
+              <a:t>.</a:t>
+            </a:r>
+            <a:r>
+              <a:rPr lang="da-DK" sz="2400" b="0" dirty="0">
+                <a:solidFill>
+                  <a:srgbClr val="DCDCAA"/>
+                </a:solidFill>
+                <a:effectLst/>
+                <a:latin typeface="Cascadia Code PL" panose="020B0609020000020004" pitchFamily="49" charset="0"/>
+                <a:cs typeface="Cascadia Code PL" panose="020B0609020000020004" pitchFamily="49" charset="0"/>
+              </a:rPr>
+              <a:t>ExecuteReader</a:t>
+            </a:r>
+            <a:r>
+              <a:rPr lang="da-DK" sz="2400" b="0" dirty="0">
+                <a:solidFill>
+                  <a:srgbClr val="D4D4D4"/>
+                </a:solidFill>
+                <a:effectLst/>
+                <a:latin typeface="Cascadia Code PL" panose="020B0609020000020004" pitchFamily="49" charset="0"/>
+                <a:cs typeface="Cascadia Code PL" panose="020B0609020000020004" pitchFamily="49" charset="0"/>
+              </a:rPr>
+              <a:t>();</a:t>
+            </a:r>
+          </a:p>
+          <a:p>
+            <a:r>
+              <a:rPr lang="da-DK" sz="2400" b="0" dirty="0">
+                <a:solidFill>
+                  <a:srgbClr val="C586C0"/>
+                </a:solidFill>
+                <a:effectLst/>
+                <a:latin typeface="Cascadia Code PL" panose="020B0609020000020004" pitchFamily="49" charset="0"/>
+                <a:cs typeface="Cascadia Code PL" panose="020B0609020000020004" pitchFamily="49" charset="0"/>
+              </a:rPr>
+              <a:t>while</a:t>
+            </a:r>
+            <a:r>
+              <a:rPr lang="da-DK" sz="2400" b="0" dirty="0">
+                <a:solidFill>
+                  <a:srgbClr val="D4D4D4"/>
+                </a:solidFill>
+                <a:effectLst/>
+                <a:latin typeface="Cascadia Code PL" panose="020B0609020000020004" pitchFamily="49" charset="0"/>
+                <a:cs typeface="Cascadia Code PL" panose="020B0609020000020004" pitchFamily="49" charset="0"/>
+              </a:rPr>
+              <a:t> (</a:t>
+            </a:r>
+            <a:r>
+              <a:rPr lang="da-DK" sz="2400" b="0" dirty="0">
+                <a:solidFill>
+                  <a:srgbClr val="9CDCFE"/>
+                </a:solidFill>
+                <a:effectLst/>
+                <a:latin typeface="Cascadia Code PL" panose="020B0609020000020004" pitchFamily="49" charset="0"/>
+                <a:cs typeface="Cascadia Code PL" panose="020B0609020000020004" pitchFamily="49" charset="0"/>
+              </a:rPr>
+              <a:t>reader</a:t>
+            </a:r>
+            <a:r>
+              <a:rPr lang="da-DK" sz="2400" b="0" dirty="0">
+                <a:solidFill>
+                  <a:srgbClr val="D4D4D4"/>
+                </a:solidFill>
+                <a:effectLst/>
+                <a:latin typeface="Cascadia Code PL" panose="020B0609020000020004" pitchFamily="49" charset="0"/>
+                <a:cs typeface="Cascadia Code PL" panose="020B0609020000020004" pitchFamily="49" charset="0"/>
+              </a:rPr>
+              <a:t>.</a:t>
+            </a:r>
+            <a:r>
+              <a:rPr lang="da-DK" sz="2400" b="0" dirty="0">
+                <a:solidFill>
+                  <a:srgbClr val="DCDCAA"/>
+                </a:solidFill>
+                <a:effectLst/>
+                <a:latin typeface="Cascadia Code PL" panose="020B0609020000020004" pitchFamily="49" charset="0"/>
+                <a:cs typeface="Cascadia Code PL" panose="020B0609020000020004" pitchFamily="49" charset="0"/>
+              </a:rPr>
+              <a:t>Read</a:t>
+            </a:r>
+            <a:r>
+              <a:rPr lang="da-DK" sz="2400" b="0" dirty="0">
+                <a:solidFill>
+                  <a:srgbClr val="D4D4D4"/>
+                </a:solidFill>
+                <a:effectLst/>
+                <a:latin typeface="Cascadia Code PL" panose="020B0609020000020004" pitchFamily="49" charset="0"/>
+                <a:cs typeface="Cascadia Code PL" panose="020B0609020000020004" pitchFamily="49" charset="0"/>
+              </a:rPr>
+              <a:t>())</a:t>
+            </a:r>
+          </a:p>
+          <a:p>
+            <a:r>
+              <a:rPr lang="da-DK" sz="2400" b="0" dirty="0">
+                <a:solidFill>
+                  <a:srgbClr val="D4D4D4"/>
+                </a:solidFill>
+                <a:effectLst/>
+                <a:latin typeface="Cascadia Code PL" panose="020B0609020000020004" pitchFamily="49" charset="0"/>
+                <a:cs typeface="Cascadia Code PL" panose="020B0609020000020004" pitchFamily="49" charset="0"/>
+              </a:rPr>
+              <a:t>{</a:t>
+            </a:r>
+          </a:p>
+          <a:p>
+            <a:r>
+              <a:rPr lang="da-DK" sz="2400" b="0" dirty="0">
+                <a:solidFill>
+                  <a:srgbClr val="D4D4D4"/>
+                </a:solidFill>
+                <a:effectLst/>
+                <a:latin typeface="Cascadia Code PL" panose="020B0609020000020004" pitchFamily="49" charset="0"/>
+                <a:cs typeface="Cascadia Code PL" panose="020B0609020000020004" pitchFamily="49" charset="0"/>
+              </a:rPr>
+              <a:t>    ...</a:t>
+            </a:r>
+          </a:p>
+          <a:p>
+            <a:r>
+              <a:rPr lang="da-DK" sz="2400" b="0" dirty="0">
+                <a:solidFill>
+                  <a:srgbClr val="D4D4D4"/>
+                </a:solidFill>
+                <a:effectLst/>
+                <a:latin typeface="Cascadia Code PL" panose="020B0609020000020004" pitchFamily="49" charset="0"/>
+                <a:cs typeface="Cascadia Code PL" panose="020B0609020000020004" pitchFamily="49" charset="0"/>
+              </a:rPr>
+              <a:t>}</a:t>
+            </a:r>
+            <a:endParaRPr lang="LID4096" sz="2400" dirty="0">
               <a:latin typeface="Cascadia Code PL" panose="020B0609020000020004" pitchFamily="49" charset="0"/>
               <a:cs typeface="Cascadia Code PL" panose="020B0609020000020004" pitchFamily="49" charset="0"/>
             </a:endParaRPr>
@@ -21467,6 +22100,12 @@
           <a:p>
             <a:r>
               <a:rPr lang="en-US" dirty="0"/>
+              <a:t>SQL Injection</a:t>
+            </a:r>
+          </a:p>
+          <a:p>
+            <a:r>
+              <a:rPr lang="en-US" dirty="0"/>
               <a:t>The </a:t>
             </a:r>
             <a:r>
@@ -21476,12 +22115,6 @@
             <a:r>
               <a:rPr lang="en-US" dirty="0"/>
               <a:t> interface</a:t>
-            </a:r>
-          </a:p>
-          <a:p>
-            <a:r>
-              <a:rPr lang="en-US" dirty="0"/>
-              <a:t>SQL Injection</a:t>
             </a:r>
           </a:p>
           <a:p>
@@ -21650,7 +22283,7 @@
         <p:spPr>
           <a:xfrm>
             <a:off x="588263" y="1436688"/>
-            <a:ext cx="11018520" cy="1415772"/>
+            <a:ext cx="11018520" cy="1698927"/>
           </a:xfrm>
         </p:spPr>
         <p:txBody>
@@ -21658,31 +22291,31 @@
           <a:lstStyle/>
           <a:p>
             <a:r>
-              <a:rPr lang="da-DK" sz="2000" b="0" dirty="0">
+              <a:rPr lang="da-DK" sz="2400" b="0" dirty="0">
                 <a:solidFill>
                   <a:srgbClr val="D4D4D4"/>
                 </a:solidFill>
                 <a:effectLst/>
                 <a:latin typeface=" Cascadia Code PL"/>
               </a:rPr>
-              <a:t>dotnet tool install --global dotnet-ef --version 5.0.0-*</a:t>
-            </a:r>
-          </a:p>
-          <a:p>
-            <a:r>
-              <a:rPr lang="da-DK" sz="2000" b="0" dirty="0">
+              <a:t>dotnet tool install --global dotnet-ef</a:t>
+            </a:r>
+          </a:p>
+          <a:p>
+            <a:r>
+              <a:rPr lang="da-DK" sz="2400" b="0" dirty="0">
                 <a:solidFill>
                   <a:srgbClr val="D4D4D4"/>
                 </a:solidFill>
                 <a:effectLst/>
                 <a:latin typeface=" Cascadia Code PL"/>
               </a:rPr>
-              <a:t>dotnet add package Microsoft.EntityFrameworkCore.Design --version 5.0.0-*</a:t>
-            </a:r>
-          </a:p>
-          <a:p>
-            <a:r>
-              <a:rPr lang="da-DK" sz="2000" b="0" dirty="0">
+              <a:t>dotnet add package Microsoft.EntityFrameworkCore.Design</a:t>
+            </a:r>
+          </a:p>
+          <a:p>
+            <a:r>
+              <a:rPr lang="da-DK" sz="2400" b="0" dirty="0">
                 <a:solidFill>
                   <a:srgbClr val="D4D4D4"/>
                 </a:solidFill>
@@ -21694,7 +22327,7 @@
           </a:p>
           <a:p>
             <a:r>
-              <a:rPr lang="da-DK" sz="2000" b="0" dirty="0">
+              <a:rPr lang="da-DK" sz="2400" b="0" dirty="0">
                 <a:solidFill>
                   <a:srgbClr val="D4D4D4"/>
                 </a:solidFill>
@@ -24828,14 +25461,14 @@
 <file path=customXml/itemProps3.xml><?xml version="1.0" encoding="utf-8"?>
 <ds:datastoreItem xmlns:ds="http://schemas.openxmlformats.org/officeDocument/2006/customXml" ds:itemID="{F990F116-B58F-4255-B05B-DA3808E0E5C6}">
   <ds:schemaRefs>
-    <ds:schemaRef ds:uri="http://schemas.microsoft.com/office/2006/documentManagement/types"/>
+    <ds:schemaRef ds:uri="http://www.w3.org/XML/1998/namespace"/>
+    <ds:schemaRef ds:uri="http://schemas.microsoft.com/office/infopath/2007/PartnerControls"/>
     <ds:schemaRef ds:uri="dcf5ddc1-fb1d-440f-849a-6450bddbaed7"/>
+    <ds:schemaRef ds:uri="965de625-df5b-42e9-a277-2113da4f1195"/>
+    <ds:schemaRef ds:uri="http://purl.org/dc/elements/1.1/"/>
     <ds:schemaRef ds:uri="http://purl.org/dc/dcmitype/"/>
     <ds:schemaRef ds:uri="http://purl.org/dc/terms/"/>
-    <ds:schemaRef ds:uri="http://purl.org/dc/elements/1.1/"/>
-    <ds:schemaRef ds:uri="965de625-df5b-42e9-a277-2113da4f1195"/>
-    <ds:schemaRef ds:uri="http://www.w3.org/XML/1998/namespace"/>
-    <ds:schemaRef ds:uri="http://schemas.microsoft.com/office/infopath/2007/PartnerControls"/>
+    <ds:schemaRef ds:uri="http://schemas.microsoft.com/office/2006/documentManagement/types"/>
     <ds:schemaRef ds:uri="http://schemas.openxmlformats.org/package/2006/metadata/core-properties"/>
     <ds:schemaRef ds:uri="http://schemas.microsoft.com/office/2006/metadata/properties"/>
   </ds:schemaRefs>
